--- a/Auto_Insurance_Enterprise_Presentation.pptx
+++ b/Auto_Insurance_Enterprise_Presentation.pptx
@@ -133,6 +133,35 @@
 </p:presentation>
 </file>
 
+<file path=ppt/changesInfos/changesInfo1.xml><?xml version="1.0" encoding="utf-8"?>
+<pc:chgInfo xmlns:a="http://schemas.openxmlformats.org/drawingml/2006/main" xmlns:r="http://schemas.openxmlformats.org/officeDocument/2006/relationships" xmlns:ac="http://schemas.microsoft.com/office/drawing/2013/main/command" xmlns:pc="http://schemas.microsoft.com/office/powerpoint/2013/main/command">
+  <pc:docChgLst>
+    <pc:chgData name="Pascal Nguyen Tang" userId="3a04e88f0af0b0fb" providerId="LiveId" clId="{239BF942-CBCD-43D0-A8FC-F03BA20539F7}"/>
+    <pc:docChg chg="modSld">
+      <pc:chgData name="Pascal Nguyen Tang" userId="3a04e88f0af0b0fb" providerId="LiveId" clId="{239BF942-CBCD-43D0-A8FC-F03BA20539F7}" dt="2021-02-16T00:36:10.465" v="4" actId="20577"/>
+      <pc:docMkLst>
+        <pc:docMk/>
+      </pc:docMkLst>
+      <pc:sldChg chg="modSp mod">
+        <pc:chgData name="Pascal Nguyen Tang" userId="3a04e88f0af0b0fb" providerId="LiveId" clId="{239BF942-CBCD-43D0-A8FC-F03BA20539F7}" dt="2021-02-16T00:36:10.465" v="4" actId="20577"/>
+        <pc:sldMkLst>
+          <pc:docMk/>
+          <pc:sldMk cId="1487700712" sldId="256"/>
+        </pc:sldMkLst>
+        <pc:spChg chg="mod">
+          <ac:chgData name="Pascal Nguyen Tang" userId="3a04e88f0af0b0fb" providerId="LiveId" clId="{239BF942-CBCD-43D0-A8FC-F03BA20539F7}" dt="2021-02-16T00:36:10.465" v="4" actId="20577"/>
+          <ac:spMkLst>
+            <pc:docMk/>
+            <pc:sldMk cId="1487700712" sldId="256"/>
+            <ac:spMk id="3" creationId="{48B6CF59-4E5B-494D-A2F7-97ADD01E6497}"/>
+          </ac:spMkLst>
+        </pc:spChg>
+      </pc:sldChg>
+    </pc:docChg>
+  </pc:docChgLst>
+</pc:chgInfo>
+</file>
+
 <file path=ppt/handoutMasters/handoutMaster1.xml><?xml version="1.0" encoding="utf-8"?>
 <p:handoutMaster xmlns:a="http://schemas.openxmlformats.org/drawingml/2006/main" xmlns:r="http://schemas.openxmlformats.org/officeDocument/2006/relationships" xmlns:p="http://schemas.openxmlformats.org/presentationml/2006/main">
   <p:cSld>
@@ -227,7 +256,7 @@
           <a:p>
             <a:fld id="{AF869721-F543-4A6C-BF9D-65D7CC540427}" type="datetimeFigureOut">
               <a:rPr lang="en-US" smtClean="0"/>
-              <a:t>16-Feb-21</a:t>
+              <a:t>2/15/2021</a:t>
             </a:fld>
             <a:endParaRPr lang="en-US" dirty="0"/>
           </a:p>
@@ -404,7 +433,7 @@
           <a:p>
             <a:fld id="{C732326A-4C88-4AFB-AA5B-5919D81DFF5B}" type="datetimeFigureOut">
               <a:rPr lang="en-US" smtClean="0"/>
-              <a:t>16-Feb-21</a:t>
+              <a:t>2/15/2021</a:t>
             </a:fld>
             <a:endParaRPr lang="en-US" dirty="0"/>
           </a:p>
@@ -2009,7 +2038,7 @@
             <a:fld id="{B61BEF0D-F0BB-DE4B-95CE-6DB70DBA9567}" type="datetimeFigureOut">
               <a:rPr lang="en-US" smtClean="0"/>
               <a:pPr/>
-              <a:t>16-Feb-21</a:t>
+              <a:t>2/15/2021</a:t>
             </a:fld>
             <a:endParaRPr lang="en-US" dirty="0"/>
           </a:p>
@@ -2273,7 +2302,7 @@
             <a:fld id="{B61BEF0D-F0BB-DE4B-95CE-6DB70DBA9567}" type="datetimeFigureOut">
               <a:rPr lang="en-US" smtClean="0"/>
               <a:pPr/>
-              <a:t>16-Feb-21</a:t>
+              <a:t>2/15/2021</a:t>
             </a:fld>
             <a:endParaRPr lang="en-US" dirty="0"/>
           </a:p>
@@ -2510,7 +2539,7 @@
             <a:fld id="{B61BEF0D-F0BB-DE4B-95CE-6DB70DBA9567}" type="datetimeFigureOut">
               <a:rPr lang="en-US" smtClean="0"/>
               <a:pPr/>
-              <a:t>16-Feb-21</a:t>
+              <a:t>2/15/2021</a:t>
             </a:fld>
             <a:endParaRPr lang="en-US" dirty="0"/>
           </a:p>
@@ -2752,7 +2781,7 @@
             <a:fld id="{B61BEF0D-F0BB-DE4B-95CE-6DB70DBA9567}" type="datetimeFigureOut">
               <a:rPr lang="en-US" smtClean="0"/>
               <a:pPr/>
-              <a:t>16-Feb-21</a:t>
+              <a:t>2/15/2021</a:t>
             </a:fld>
             <a:endParaRPr lang="en-US" dirty="0"/>
           </a:p>
@@ -3061,7 +3090,7 @@
             <a:fld id="{B61BEF0D-F0BB-DE4B-95CE-6DB70DBA9567}" type="datetimeFigureOut">
               <a:rPr lang="en-US" smtClean="0"/>
               <a:pPr/>
-              <a:t>16-Feb-21</a:t>
+              <a:t>2/15/2021</a:t>
             </a:fld>
             <a:endParaRPr lang="en-US" dirty="0"/>
           </a:p>
@@ -3365,7 +3394,7 @@
             <a:fld id="{B61BEF0D-F0BB-DE4B-95CE-6DB70DBA9567}" type="datetimeFigureOut">
               <a:rPr lang="en-US" smtClean="0"/>
               <a:pPr/>
-              <a:t>16-Feb-21</a:t>
+              <a:t>2/15/2021</a:t>
             </a:fld>
             <a:endParaRPr lang="en-US" dirty="0"/>
           </a:p>
@@ -3789,7 +3818,7 @@
             <a:fld id="{B61BEF0D-F0BB-DE4B-95CE-6DB70DBA9567}" type="datetimeFigureOut">
               <a:rPr lang="en-US" smtClean="0"/>
               <a:pPr/>
-              <a:t>16-Feb-21</a:t>
+              <a:t>2/15/2021</a:t>
             </a:fld>
             <a:endParaRPr lang="en-US" dirty="0"/>
           </a:p>
@@ -3886,7 +3915,7 @@
             <a:fld id="{B61BEF0D-F0BB-DE4B-95CE-6DB70DBA9567}" type="datetimeFigureOut">
               <a:rPr lang="en-US" smtClean="0"/>
               <a:pPr/>
-              <a:t>16-Feb-21</a:t>
+              <a:t>2/15/2021</a:t>
             </a:fld>
             <a:endParaRPr lang="en-US" dirty="0"/>
           </a:p>
@@ -4050,7 +4079,7 @@
             <a:fld id="{B61BEF0D-F0BB-DE4B-95CE-6DB70DBA9567}" type="datetimeFigureOut">
               <a:rPr lang="en-US" smtClean="0"/>
               <a:pPr/>
-              <a:t>16-Feb-21</a:t>
+              <a:t>2/15/2021</a:t>
             </a:fld>
             <a:endParaRPr lang="en-US" dirty="0"/>
           </a:p>
@@ -4430,7 +4459,7 @@
             <a:fld id="{B61BEF0D-F0BB-DE4B-95CE-6DB70DBA9567}" type="datetimeFigureOut">
               <a:rPr lang="en-US" smtClean="0"/>
               <a:pPr/>
-              <a:t>16-Feb-21</a:t>
+              <a:t>2/15/2021</a:t>
             </a:fld>
             <a:endParaRPr lang="en-US" dirty="0"/>
           </a:p>
@@ -4721,7 +4750,7 @@
             <a:fld id="{B61BEF0D-F0BB-DE4B-95CE-6DB70DBA9567}" type="datetimeFigureOut">
               <a:rPr lang="en-US" smtClean="0"/>
               <a:pPr/>
-              <a:t>16-Feb-21</a:t>
+              <a:t>2/15/2021</a:t>
             </a:fld>
             <a:endParaRPr lang="en-US" dirty="0"/>
           </a:p>
@@ -4934,7 +4963,7 @@
             <a:fld id="{B61BEF0D-F0BB-DE4B-95CE-6DB70DBA9567}" type="datetimeFigureOut">
               <a:rPr lang="en-US" smtClean="0"/>
               <a:pPr/>
-              <a:t>16-Feb-21</a:t>
+              <a:t>2/15/2021</a:t>
             </a:fld>
             <a:endParaRPr lang="en-US" dirty="0"/>
           </a:p>
@@ -5959,7 +5988,7 @@
                   <a:schemeClr val="bg1"/>
                 </a:solidFill>
               </a:rPr>
-              <a:t>Maguette Paye          Nupur Mittal          Pascal Nguyen          Shivangi Soni          Vivek Saahil</a:t>
+              <a:t>Maguette Paye          Nupur Mittal          Pascal Nguyen Tang          Shivangi Soni          Vivek Saahil</a:t>
             </a:r>
           </a:p>
         </p:txBody>
@@ -11093,12 +11122,12 @@
 </file>
 
 <file path=customXml/item1.xml><?xml version="1.0" encoding="utf-8"?>
-<?mso-contentType ?>
-<FormTemplates xmlns="http://schemas.microsoft.com/sharepoint/v3/contenttype/forms">
-  <Display>DocumentLibraryForm</Display>
-  <Edit>DocumentLibraryForm</Edit>
-  <New>DocumentLibraryForm</New>
-</FormTemplates>
+<p:properties xmlns:p="http://schemas.microsoft.com/office/2006/metadata/properties" xmlns:xsi="http://www.w3.org/2001/XMLSchema-instance" xmlns:pc="http://schemas.microsoft.com/office/infopath/2007/PartnerControls">
+  <documentManagement>
+    <Status xmlns="71af3243-3dd4-4a8d-8c0d-dd76da1f02a5">Not started</Status>
+    <MediaServiceKeyPoints xmlns="71af3243-3dd4-4a8d-8c0d-dd76da1f02a5" xsi:nil="true"/>
+  </documentManagement>
+</p:properties>
 </file>
 
 <file path=customXml/item2.xml><?xml version="1.0" encoding="utf-8"?>
@@ -11323,18 +11352,27 @@
 </file>
 
 <file path=customXml/item3.xml><?xml version="1.0" encoding="utf-8"?>
-<p:properties xmlns:p="http://schemas.microsoft.com/office/2006/metadata/properties" xmlns:xsi="http://www.w3.org/2001/XMLSchema-instance" xmlns:pc="http://schemas.microsoft.com/office/infopath/2007/PartnerControls">
-  <documentManagement>
-    <Status xmlns="71af3243-3dd4-4a8d-8c0d-dd76da1f02a5">Not started</Status>
-    <MediaServiceKeyPoints xmlns="71af3243-3dd4-4a8d-8c0d-dd76da1f02a5" xsi:nil="true"/>
-  </documentManagement>
-</p:properties>
+<?mso-contentType ?>
+<FormTemplates xmlns="http://schemas.microsoft.com/sharepoint/v3/contenttype/forms">
+  <Display>DocumentLibraryForm</Display>
+  <Edit>DocumentLibraryForm</Edit>
+  <New>DocumentLibraryForm</New>
+</FormTemplates>
 </file>
 
 <file path=customXml/itemProps1.xml><?xml version="1.0" encoding="utf-8"?>
-<ds:datastoreItem xmlns:ds="http://schemas.openxmlformats.org/officeDocument/2006/customXml" ds:itemID="{3E586370-B0FB-4108-8B4F-329716A22E3A}">
+<ds:datastoreItem xmlns:ds="http://schemas.openxmlformats.org/officeDocument/2006/customXml" ds:itemID="{55B48092-4A2C-4E16-B971-9ACADFFF69E4}">
   <ds:schemaRefs>
-    <ds:schemaRef ds:uri="http://schemas.microsoft.com/sharepoint/v3/contenttype/forms"/>
+    <ds:schemaRef ds:uri="http://purl.org/dc/elements/1.1/"/>
+    <ds:schemaRef ds:uri="http://schemas.microsoft.com/office/2006/metadata/properties"/>
+    <ds:schemaRef ds:uri="http://schemas.microsoft.com/office/2006/documentManagement/types"/>
+    <ds:schemaRef ds:uri="http://purl.org/dc/terms/"/>
+    <ds:schemaRef ds:uri="http://schemas.openxmlformats.org/package/2006/metadata/core-properties"/>
+    <ds:schemaRef ds:uri="16c05727-aa75-4e4a-9b5f-8a80a1165891"/>
+    <ds:schemaRef ds:uri="http://purl.org/dc/dcmitype/"/>
+    <ds:schemaRef ds:uri="http://schemas.microsoft.com/office/infopath/2007/PartnerControls"/>
+    <ds:schemaRef ds:uri="71af3243-3dd4-4a8d-8c0d-dd76da1f02a5"/>
+    <ds:schemaRef ds:uri="http://www.w3.org/XML/1998/namespace"/>
   </ds:schemaRefs>
 </ds:datastoreItem>
 </file>
@@ -11359,18 +11397,9 @@
 </file>
 
 <file path=customXml/itemProps3.xml><?xml version="1.0" encoding="utf-8"?>
-<ds:datastoreItem xmlns:ds="http://schemas.openxmlformats.org/officeDocument/2006/customXml" ds:itemID="{55B48092-4A2C-4E16-B971-9ACADFFF69E4}">
+<ds:datastoreItem xmlns:ds="http://schemas.openxmlformats.org/officeDocument/2006/customXml" ds:itemID="{3E586370-B0FB-4108-8B4F-329716A22E3A}">
   <ds:schemaRefs>
-    <ds:schemaRef ds:uri="http://purl.org/dc/elements/1.1/"/>
-    <ds:schemaRef ds:uri="http://schemas.microsoft.com/office/2006/metadata/properties"/>
-    <ds:schemaRef ds:uri="http://schemas.microsoft.com/office/2006/documentManagement/types"/>
-    <ds:schemaRef ds:uri="http://purl.org/dc/terms/"/>
-    <ds:schemaRef ds:uri="http://schemas.openxmlformats.org/package/2006/metadata/core-properties"/>
-    <ds:schemaRef ds:uri="16c05727-aa75-4e4a-9b5f-8a80a1165891"/>
-    <ds:schemaRef ds:uri="http://purl.org/dc/dcmitype/"/>
-    <ds:schemaRef ds:uri="http://schemas.microsoft.com/office/infopath/2007/PartnerControls"/>
-    <ds:schemaRef ds:uri="71af3243-3dd4-4a8d-8c0d-dd76da1f02a5"/>
-    <ds:schemaRef ds:uri="http://www.w3.org/XML/1998/namespace"/>
+    <ds:schemaRef ds:uri="http://schemas.microsoft.com/sharepoint/v3/contenttype/forms"/>
   </ds:schemaRefs>
 </ds:datastoreItem>
 </file>